--- a/Документы/Автоматизированная система моделирования волоконно-оптических датчиков со структурным резервированием.pptx
+++ b/Документы/Автоматизированная система моделирования волоконно-оптических датчиков со структурным резервированием.pptx
@@ -5,7 +5,7 @@
     <p:sldMasterId id="2147483672" r:id="rId1"/>
   </p:sldMasterIdLst>
   <p:notesMasterIdLst>
-    <p:notesMasterId r:id="rId20"/>
+    <p:notesMasterId r:id="rId17"/>
   </p:notesMasterIdLst>
   <p:sldIdLst>
     <p:sldId id="256" r:id="rId2"/>
@@ -19,13 +19,10 @@
     <p:sldId id="264" r:id="rId10"/>
     <p:sldId id="265" r:id="rId11"/>
     <p:sldId id="266" r:id="rId12"/>
-    <p:sldId id="267" r:id="rId13"/>
-    <p:sldId id="268" r:id="rId14"/>
-    <p:sldId id="269" r:id="rId15"/>
-    <p:sldId id="270" r:id="rId16"/>
-    <p:sldId id="271" r:id="rId17"/>
-    <p:sldId id="272" r:id="rId18"/>
-    <p:sldId id="273" r:id="rId19"/>
+    <p:sldId id="274" r:id="rId13"/>
+    <p:sldId id="271" r:id="rId14"/>
+    <p:sldId id="272" r:id="rId15"/>
+    <p:sldId id="273" r:id="rId16"/>
   </p:sldIdLst>
   <p:sldSz cx="9144000" cy="6858000" type="screen4x3"/>
   <p:notesSz cx="6858000" cy="9144000"/>
@@ -209,7 +206,7 @@
           <a:p>
             <a:fld id="{2C0E1F60-BD8D-4630-9AC3-B24FA6E87400}" type="datetimeFigureOut">
               <a:rPr lang="ru-RU" smtClean="0"/>
-              <a:t>05.04.2018</a:t>
+              <a:t>21.05.2018</a:t>
             </a:fld>
             <a:endParaRPr lang="ru-RU"/>
           </a:p>
@@ -837,7 +834,7 @@
           <a:p>
             <a:fld id="{7BE825BD-8096-4DF4-B1BA-73AB62979CB1}" type="datetime1">
               <a:rPr lang="ru-RU" smtClean="0"/>
-              <a:t>05.04.2018</a:t>
+              <a:t>21.05.2018</a:t>
             </a:fld>
             <a:endParaRPr lang="ru-RU"/>
           </a:p>
@@ -1002,7 +999,7 @@
           <a:p>
             <a:fld id="{2DB2021B-2E19-40B5-9D0F-90F7754D4BF7}" type="datetime1">
               <a:rPr lang="ru-RU" smtClean="0"/>
-              <a:t>05.04.2018</a:t>
+              <a:t>21.05.2018</a:t>
             </a:fld>
             <a:endParaRPr lang="ru-RU"/>
           </a:p>
@@ -1177,7 +1174,7 @@
           <a:p>
             <a:fld id="{AEFEDFA3-740D-4C4F-9CB2-D76CB03AAC0B}" type="datetime1">
               <a:rPr lang="ru-RU" smtClean="0"/>
-              <a:t>05.04.2018</a:t>
+              <a:t>21.05.2018</a:t>
             </a:fld>
             <a:endParaRPr lang="ru-RU"/>
           </a:p>
@@ -1360,7 +1357,7 @@
           <a:p>
             <a:fld id="{4DCDBB21-1158-4493-83B9-F40765851FCC}" type="datetime1">
               <a:rPr lang="ru-RU" smtClean="0"/>
-              <a:t>05.04.2018</a:t>
+              <a:t>21.05.2018</a:t>
             </a:fld>
             <a:endParaRPr lang="ru-RU"/>
           </a:p>
@@ -1622,7 +1619,7 @@
           <a:p>
             <a:fld id="{72AC17AB-3C71-4726-867C-E48C6C40DD86}" type="datetime1">
               <a:rPr lang="ru-RU" smtClean="0"/>
-              <a:t>05.04.2018</a:t>
+              <a:t>21.05.2018</a:t>
             </a:fld>
             <a:endParaRPr lang="ru-RU"/>
           </a:p>
@@ -1970,7 +1967,7 @@
           <a:p>
             <a:fld id="{A505132A-5D4F-4819-BCC4-FDE0946D3A0D}" type="datetime1">
               <a:rPr lang="ru-RU" smtClean="0"/>
-              <a:t>05.04.2018</a:t>
+              <a:t>21.05.2018</a:t>
             </a:fld>
             <a:endParaRPr lang="ru-RU"/>
           </a:p>
@@ -2278,7 +2275,7 @@
           <a:p>
             <a:fld id="{CD003594-B0AB-4E98-9DCF-06CEC4B9E9FA}" type="datetime1">
               <a:rPr lang="ru-RU" smtClean="0"/>
-              <a:t>05.04.2018</a:t>
+              <a:t>21.05.2018</a:t>
             </a:fld>
             <a:endParaRPr lang="ru-RU"/>
           </a:p>
@@ -2505,7 +2502,7 @@
           <a:p>
             <a:fld id="{8E6B666C-7DD9-4FF5-8218-175E18E9C62D}" type="datetime1">
               <a:rPr lang="ru-RU" smtClean="0"/>
-              <a:t>05.04.2018</a:t>
+              <a:t>21.05.2018</a:t>
             </a:fld>
             <a:endParaRPr lang="ru-RU"/>
           </a:p>
@@ -2595,7 +2592,7 @@
           <a:p>
             <a:fld id="{5DE1AA7E-24A2-4F20-AA51-0B122BB0989F}" type="datetime1">
               <a:rPr lang="ru-RU" smtClean="0"/>
-              <a:t>05.04.2018</a:t>
+              <a:t>21.05.2018</a:t>
             </a:fld>
             <a:endParaRPr lang="ru-RU"/>
           </a:p>
@@ -2883,7 +2880,7 @@
           <a:p>
             <a:fld id="{011A7850-7EFF-449B-B9E0-A2B7FD671743}" type="datetime1">
               <a:rPr lang="ru-RU" smtClean="0"/>
-              <a:t>05.04.2018</a:t>
+              <a:t>21.05.2018</a:t>
             </a:fld>
             <a:endParaRPr lang="ru-RU"/>
           </a:p>
@@ -3152,7 +3149,7 @@
           <a:p>
             <a:fld id="{33A0BCF5-0386-4A19-9A21-A8E4974F851C}" type="datetime1">
               <a:rPr lang="ru-RU" smtClean="0"/>
-              <a:t>05.04.2018</a:t>
+              <a:t>21.05.2018</a:t>
             </a:fld>
             <a:endParaRPr lang="ru-RU"/>
           </a:p>
@@ -3362,7 +3359,7 @@
           <a:p>
             <a:fld id="{8362EE66-B615-441A-BFAD-9F432D836FB3}" type="datetime1">
               <a:rPr lang="ru-RU" smtClean="0"/>
-              <a:t>05.04.2018</a:t>
+              <a:t>21.05.2018</a:t>
             </a:fld>
             <a:endParaRPr lang="ru-RU"/>
           </a:p>
@@ -4359,14 +4356,12 @@
         </p:nvSpPr>
         <p:spPr/>
         <p:txBody>
-          <a:bodyPr>
-            <a:normAutofit fontScale="90000"/>
-          </a:bodyPr>
+          <a:bodyPr/>
           <a:lstStyle/>
           <a:p>
             <a:r>
               <a:rPr lang="ru-RU" dirty="0" smtClean="0"/>
-              <a:t>Разработка прототипа интерфейса пользователя</a:t>
+              <a:t>Логическая модель базы данных</a:t>
             </a:r>
             <a:endParaRPr lang="ru-RU" dirty="0"/>
           </a:p>
@@ -4374,9 +4369,9 @@
       </p:sp>
       <p:pic>
         <p:nvPicPr>
-          <p:cNvPr id="3074" name="Picture 2"/>
+          <p:cNvPr id="5" name="Объект 4"/>
           <p:cNvPicPr>
-            <a:picLocks noGrp="1" noChangeAspect="1" noChangeArrowheads="1"/>
+            <a:picLocks noGrp="1" noChangeAspect="1"/>
           </p:cNvPicPr>
           <p:nvPr>
             <p:ph idx="1"/>
@@ -4390,42 +4385,15 @@
               </a:ext>
             </a:extLst>
           </a:blip>
-          <a:srcRect/>
           <a:stretch>
             <a:fillRect/>
           </a:stretch>
         </p:blipFill>
-        <p:spPr bwMode="auto">
+        <p:spPr>
           <a:xfrm>
-            <a:off x="548922" y="1556792"/>
-            <a:ext cx="8123326" cy="4569371"/>
+            <a:off x="179512" y="1844824"/>
+            <a:ext cx="8696484" cy="4032448"/>
           </a:xfrm>
-          <a:prstGeom prst="rect">
-            <a:avLst/>
-          </a:prstGeom>
-          <a:noFill/>
-          <a:ln>
-            <a:noFill/>
-          </a:ln>
-          <a:extLst>
-            <a:ext uri="{909E8E84-426E-40DD-AFC4-6F175D3DCCD1}">
-              <a14:hiddenFill xmlns:a14="http://schemas.microsoft.com/office/drawing/2010/main">
-                <a:solidFill>
-                  <a:schemeClr val="accent1"/>
-                </a:solidFill>
-              </a14:hiddenFill>
-            </a:ext>
-            <a:ext uri="{91240B29-F687-4F45-9708-019B960494DF}">
-              <a14:hiddenLine xmlns:a14="http://schemas.microsoft.com/office/drawing/2010/main" w="9525">
-                <a:solidFill>
-                  <a:schemeClr val="tx1"/>
-                </a:solidFill>
-                <a:miter lim="800000"/>
-                <a:headEnd/>
-                <a:tailEnd/>
-              </a14:hiddenLine>
-            </a:ext>
-          </a:extLst>
         </p:spPr>
       </p:pic>
       <p:sp>
@@ -4454,20 +4422,13 @@
     </p:spTree>
     <p:extLst>
       <p:ext uri="{BB962C8B-B14F-4D97-AF65-F5344CB8AC3E}">
-        <p14:creationId xmlns:p14="http://schemas.microsoft.com/office/powerpoint/2010/main" val="1219188827"/>
+        <p14:creationId xmlns:p14="http://schemas.microsoft.com/office/powerpoint/2010/main" val="1279106220"/>
       </p:ext>
     </p:extLst>
   </p:cSld>
   <p:clrMapOvr>
     <a:masterClrMapping/>
   </p:clrMapOvr>
-  <p:timing>
-    <p:tnLst>
-      <p:par>
-        <p:cTn id="1" dur="indefinite" restart="never" nodeType="tmRoot"/>
-      </p:par>
-    </p:tnLst>
-  </p:timing>
 </p:sld>
 </file>
 
@@ -4490,7 +4451,7 @@
       </p:grpSpPr>
       <p:sp>
         <p:nvSpPr>
-          <p:cNvPr id="5" name="Заголовок 1"/>
+          <p:cNvPr id="6" name="Заголовок 1"/>
           <p:cNvSpPr>
             <a:spLocks noGrp="1"/>
           </p:cNvSpPr>
@@ -4501,44 +4462,18 @@
         <p:spPr/>
         <p:txBody>
           <a:bodyPr>
-            <a:normAutofit fontScale="90000"/>
+            <a:normAutofit/>
           </a:bodyPr>
           <a:lstStyle/>
           <a:p>
             <a:r>
               <a:rPr lang="ru-RU" dirty="0" smtClean="0"/>
-              <a:t>Разработка прототипа интерфейса пользователя</a:t>
+              <a:t>Демонстрация работы системы</a:t>
             </a:r>
             <a:endParaRPr lang="ru-RU" dirty="0"/>
           </a:p>
         </p:txBody>
       </p:sp>
-      <p:pic>
-        <p:nvPicPr>
-          <p:cNvPr id="6" name="Объект 5"/>
-          <p:cNvPicPr>
-            <a:picLocks noGrp="1"/>
-          </p:cNvPicPr>
-          <p:nvPr>
-            <p:ph idx="1"/>
-          </p:nvPr>
-        </p:nvPicPr>
-        <p:blipFill>
-          <a:blip r:embed="rId2"/>
-          <a:stretch>
-            <a:fillRect/>
-          </a:stretch>
-        </p:blipFill>
-        <p:spPr>
-          <a:xfrm>
-            <a:off x="548922" y="1600200"/>
-            <a:ext cx="8046156" cy="4525963"/>
-          </a:xfrm>
-          <a:prstGeom prst="rect">
-            <a:avLst/>
-          </a:prstGeom>
-        </p:spPr>
-      </p:pic>
       <p:sp>
         <p:nvSpPr>
           <p:cNvPr id="4" name="Номер слайда 3"/>
@@ -4562,10 +4497,29 @@
           </a:p>
         </p:txBody>
       </p:sp>
+      <p:sp>
+        <p:nvSpPr>
+          <p:cNvPr id="2" name="Объект 1"/>
+          <p:cNvSpPr>
+            <a:spLocks noGrp="1"/>
+          </p:cNvSpPr>
+          <p:nvPr>
+            <p:ph idx="1"/>
+          </p:nvPr>
+        </p:nvSpPr>
+        <p:spPr/>
+        <p:txBody>
+          <a:bodyPr/>
+          <a:lstStyle/>
+          <a:p>
+            <a:endParaRPr lang="ru-RU"/>
+          </a:p>
+        </p:txBody>
+      </p:sp>
     </p:spTree>
     <p:extLst>
       <p:ext uri="{BB962C8B-B14F-4D97-AF65-F5344CB8AC3E}">
-        <p14:creationId xmlns:p14="http://schemas.microsoft.com/office/powerpoint/2010/main" val="901410522"/>
+        <p14:creationId xmlns:p14="http://schemas.microsoft.com/office/powerpoint/2010/main" val="1040254712"/>
       </p:ext>
     </p:extLst>
   </p:cSld>
@@ -4601,7 +4555,7 @@
       </p:grpSpPr>
       <p:sp>
         <p:nvSpPr>
-          <p:cNvPr id="6" name="Заголовок 1"/>
+          <p:cNvPr id="2" name="Заголовок 1"/>
           <p:cNvSpPr>
             <a:spLocks noGrp="1"/>
           </p:cNvSpPr>
@@ -4611,45 +4565,81 @@
         </p:nvSpPr>
         <p:spPr/>
         <p:txBody>
-          <a:bodyPr>
-            <a:normAutofit fontScale="90000"/>
-          </a:bodyPr>
+          <a:bodyPr/>
           <a:lstStyle/>
           <a:p>
             <a:r>
               <a:rPr lang="ru-RU" dirty="0" smtClean="0"/>
-              <a:t>Разработка прототипа интерфейса пользователя</a:t>
+              <a:t>Выводы</a:t>
             </a:r>
             <a:endParaRPr lang="ru-RU" dirty="0"/>
           </a:p>
         </p:txBody>
       </p:sp>
-      <p:pic>
-        <p:nvPicPr>
-          <p:cNvPr id="5" name="Объект 4"/>
-          <p:cNvPicPr>
-            <a:picLocks noGrp="1"/>
-          </p:cNvPicPr>
+      <p:sp>
+        <p:nvSpPr>
+          <p:cNvPr id="3" name="Объект 2"/>
+          <p:cNvSpPr>
+            <a:spLocks noGrp="1"/>
+          </p:cNvSpPr>
           <p:nvPr>
             <p:ph idx="1"/>
           </p:nvPr>
-        </p:nvPicPr>
-        <p:blipFill>
-          <a:blip r:embed="rId2"/>
-          <a:stretch>
-            <a:fillRect/>
-          </a:stretch>
-        </p:blipFill>
-        <p:spPr>
-          <a:xfrm>
-            <a:off x="548922" y="1600200"/>
-            <a:ext cx="8046156" cy="4525963"/>
-          </a:xfrm>
-          <a:prstGeom prst="rect">
-            <a:avLst/>
-          </a:prstGeom>
-        </p:spPr>
-      </p:pic>
+        </p:nvSpPr>
+        <p:spPr/>
+        <p:txBody>
+          <a:bodyPr/>
+          <a:lstStyle/>
+          <a:p>
+            <a:r>
+              <a:rPr lang="ru-RU" dirty="0" smtClean="0"/>
+              <a:t>Проведен анализ предметной области и обзор систем аналогов</a:t>
+            </a:r>
+          </a:p>
+          <a:p>
+            <a:r>
+              <a:rPr lang="ru-RU" dirty="0" smtClean="0"/>
+              <a:t>Поставлена задача</a:t>
+            </a:r>
+            <a:endParaRPr lang="ru-RU" dirty="0"/>
+          </a:p>
+          <a:p>
+            <a:r>
+              <a:rPr lang="ru-RU" dirty="0"/>
+              <a:t>С</a:t>
+            </a:r>
+            <a:r>
+              <a:rPr lang="ru-RU" dirty="0" smtClean="0"/>
+              <a:t>проектирована автоматизированная система моделирования волоконно-оптических датчиков со структурным </a:t>
+            </a:r>
+            <a:r>
+              <a:rPr lang="ru-RU" dirty="0" smtClean="0"/>
+              <a:t>резервированием</a:t>
+            </a:r>
+          </a:p>
+          <a:p>
+            <a:r>
+              <a:rPr lang="ru-RU" dirty="0" smtClean="0"/>
+              <a:t>Разработана </a:t>
+            </a:r>
+            <a:r>
+              <a:rPr lang="ru-RU" dirty="0"/>
+              <a:t>автоматизированная система моделирования волоконно-оптических датчиков со структурным </a:t>
+            </a:r>
+            <a:r>
+              <a:rPr lang="ru-RU" dirty="0" smtClean="0"/>
+              <a:t>резервированием</a:t>
+            </a:r>
+          </a:p>
+          <a:p>
+            <a:r>
+              <a:rPr lang="ru-RU" dirty="0" smtClean="0"/>
+              <a:t>Произведено тестирование и отладка</a:t>
+            </a:r>
+            <a:endParaRPr lang="ru-RU" dirty="0"/>
+          </a:p>
+        </p:txBody>
+      </p:sp>
       <p:sp>
         <p:nvSpPr>
           <p:cNvPr id="4" name="Номер слайда 3"/>
@@ -4676,7 +4666,7 @@
     </p:spTree>
     <p:extLst>
       <p:ext uri="{BB962C8B-B14F-4D97-AF65-F5344CB8AC3E}">
-        <p14:creationId xmlns:p14="http://schemas.microsoft.com/office/powerpoint/2010/main" val="1150724082"/>
+        <p14:creationId xmlns:p14="http://schemas.microsoft.com/office/powerpoint/2010/main" val="1644954436"/>
       </p:ext>
     </p:extLst>
   </p:cSld>
@@ -4712,363 +4702,6 @@
       </p:grpSpPr>
       <p:sp>
         <p:nvSpPr>
-          <p:cNvPr id="6" name="Заголовок 1"/>
-          <p:cNvSpPr>
-            <a:spLocks noGrp="1"/>
-          </p:cNvSpPr>
-          <p:nvPr>
-            <p:ph type="title"/>
-          </p:nvPr>
-        </p:nvSpPr>
-        <p:spPr/>
-        <p:txBody>
-          <a:bodyPr>
-            <a:normAutofit fontScale="90000"/>
-          </a:bodyPr>
-          <a:lstStyle/>
-          <a:p>
-            <a:r>
-              <a:rPr lang="ru-RU" dirty="0" smtClean="0"/>
-              <a:t>Разработка прототипа интерфейса пользователя</a:t>
-            </a:r>
-            <a:endParaRPr lang="ru-RU" dirty="0"/>
-          </a:p>
-        </p:txBody>
-      </p:sp>
-      <p:pic>
-        <p:nvPicPr>
-          <p:cNvPr id="5" name="Объект 4"/>
-          <p:cNvPicPr>
-            <a:picLocks noGrp="1"/>
-          </p:cNvPicPr>
-          <p:nvPr>
-            <p:ph idx="1"/>
-          </p:nvPr>
-        </p:nvPicPr>
-        <p:blipFill>
-          <a:blip r:embed="rId2"/>
-          <a:stretch>
-            <a:fillRect/>
-          </a:stretch>
-        </p:blipFill>
-        <p:spPr>
-          <a:xfrm>
-            <a:off x="548922" y="1600200"/>
-            <a:ext cx="8046156" cy="4525963"/>
-          </a:xfrm>
-          <a:prstGeom prst="rect">
-            <a:avLst/>
-          </a:prstGeom>
-        </p:spPr>
-      </p:pic>
-      <p:sp>
-        <p:nvSpPr>
-          <p:cNvPr id="4" name="Номер слайда 3"/>
-          <p:cNvSpPr>
-            <a:spLocks noGrp="1"/>
-          </p:cNvSpPr>
-          <p:nvPr>
-            <p:ph type="sldNum" sz="quarter" idx="12"/>
-          </p:nvPr>
-        </p:nvSpPr>
-        <p:spPr/>
-        <p:txBody>
-          <a:bodyPr/>
-          <a:lstStyle/>
-          <a:p>
-            <a:fld id="{7C8E2CEC-E439-4EAB-AFDC-D27F98308DA3}" type="slidenum">
-              <a:rPr lang="ru-RU" smtClean="0"/>
-              <a:t>15</a:t>
-            </a:fld>
-            <a:endParaRPr lang="ru-RU"/>
-          </a:p>
-        </p:txBody>
-      </p:sp>
-    </p:spTree>
-    <p:extLst>
-      <p:ext uri="{BB962C8B-B14F-4D97-AF65-F5344CB8AC3E}">
-        <p14:creationId xmlns:p14="http://schemas.microsoft.com/office/powerpoint/2010/main" val="181590887"/>
-      </p:ext>
-    </p:extLst>
-  </p:cSld>
-  <p:clrMapOvr>
-    <a:masterClrMapping/>
-  </p:clrMapOvr>
-  <p:timing>
-    <p:tnLst>
-      <p:par>
-        <p:cTn id="1" dur="indefinite" restart="never" nodeType="tmRoot"/>
-      </p:par>
-    </p:tnLst>
-  </p:timing>
-</p:sld>
-</file>
-
-<file path=ppt/slides/slide16.xml><?xml version="1.0" encoding="utf-8"?>
-<p:sld xmlns:a="http://schemas.openxmlformats.org/drawingml/2006/main" xmlns:r="http://schemas.openxmlformats.org/officeDocument/2006/relationships" xmlns:p="http://schemas.openxmlformats.org/presentationml/2006/main">
-  <p:cSld>
-    <p:spTree>
-      <p:nvGrpSpPr>
-        <p:cNvPr id="1" name=""/>
-        <p:cNvGrpSpPr/>
-        <p:nvPr/>
-      </p:nvGrpSpPr>
-      <p:grpSpPr>
-        <a:xfrm>
-          <a:off x="0" y="0"/>
-          <a:ext cx="0" cy="0"/>
-          <a:chOff x="0" y="0"/>
-          <a:chExt cx="0" cy="0"/>
-        </a:xfrm>
-      </p:grpSpPr>
-      <p:sp>
-        <p:nvSpPr>
-          <p:cNvPr id="6" name="Заголовок 1"/>
-          <p:cNvSpPr>
-            <a:spLocks noGrp="1"/>
-          </p:cNvSpPr>
-          <p:nvPr>
-            <p:ph type="title"/>
-          </p:nvPr>
-        </p:nvSpPr>
-        <p:spPr/>
-        <p:txBody>
-          <a:bodyPr>
-            <a:normAutofit fontScale="90000"/>
-          </a:bodyPr>
-          <a:lstStyle/>
-          <a:p>
-            <a:r>
-              <a:rPr lang="ru-RU" dirty="0" smtClean="0"/>
-              <a:t>Разработка прототипа интерфейса пользователя</a:t>
-            </a:r>
-            <a:endParaRPr lang="ru-RU" dirty="0"/>
-          </a:p>
-        </p:txBody>
-      </p:sp>
-      <p:pic>
-        <p:nvPicPr>
-          <p:cNvPr id="5" name="Объект 4"/>
-          <p:cNvPicPr>
-            <a:picLocks noGrp="1"/>
-          </p:cNvPicPr>
-          <p:nvPr>
-            <p:ph idx="1"/>
-          </p:nvPr>
-        </p:nvPicPr>
-        <p:blipFill>
-          <a:blip r:embed="rId2"/>
-          <a:stretch>
-            <a:fillRect/>
-          </a:stretch>
-        </p:blipFill>
-        <p:spPr>
-          <a:xfrm>
-            <a:off x="548922" y="1600200"/>
-            <a:ext cx="8046156" cy="4525963"/>
-          </a:xfrm>
-          <a:prstGeom prst="rect">
-            <a:avLst/>
-          </a:prstGeom>
-        </p:spPr>
-      </p:pic>
-      <p:sp>
-        <p:nvSpPr>
-          <p:cNvPr id="4" name="Номер слайда 3"/>
-          <p:cNvSpPr>
-            <a:spLocks noGrp="1"/>
-          </p:cNvSpPr>
-          <p:nvPr>
-            <p:ph type="sldNum" sz="quarter" idx="12"/>
-          </p:nvPr>
-        </p:nvSpPr>
-        <p:spPr/>
-        <p:txBody>
-          <a:bodyPr/>
-          <a:lstStyle/>
-          <a:p>
-            <a:fld id="{7C8E2CEC-E439-4EAB-AFDC-D27F98308DA3}" type="slidenum">
-              <a:rPr lang="ru-RU" smtClean="0"/>
-              <a:t>16</a:t>
-            </a:fld>
-            <a:endParaRPr lang="ru-RU"/>
-          </a:p>
-        </p:txBody>
-      </p:sp>
-    </p:spTree>
-    <p:extLst>
-      <p:ext uri="{BB962C8B-B14F-4D97-AF65-F5344CB8AC3E}">
-        <p14:creationId xmlns:p14="http://schemas.microsoft.com/office/powerpoint/2010/main" val="1040254712"/>
-      </p:ext>
-    </p:extLst>
-  </p:cSld>
-  <p:clrMapOvr>
-    <a:masterClrMapping/>
-  </p:clrMapOvr>
-  <p:timing>
-    <p:tnLst>
-      <p:par>
-        <p:cTn id="1" dur="indefinite" restart="never" nodeType="tmRoot"/>
-      </p:par>
-    </p:tnLst>
-  </p:timing>
-</p:sld>
-</file>
-
-<file path=ppt/slides/slide17.xml><?xml version="1.0" encoding="utf-8"?>
-<p:sld xmlns:a="http://schemas.openxmlformats.org/drawingml/2006/main" xmlns:r="http://schemas.openxmlformats.org/officeDocument/2006/relationships" xmlns:p="http://schemas.openxmlformats.org/presentationml/2006/main">
-  <p:cSld>
-    <p:spTree>
-      <p:nvGrpSpPr>
-        <p:cNvPr id="1" name=""/>
-        <p:cNvGrpSpPr/>
-        <p:nvPr/>
-      </p:nvGrpSpPr>
-      <p:grpSpPr>
-        <a:xfrm>
-          <a:off x="0" y="0"/>
-          <a:ext cx="0" cy="0"/>
-          <a:chOff x="0" y="0"/>
-          <a:chExt cx="0" cy="0"/>
-        </a:xfrm>
-      </p:grpSpPr>
-      <p:sp>
-        <p:nvSpPr>
-          <p:cNvPr id="2" name="Заголовок 1"/>
-          <p:cNvSpPr>
-            <a:spLocks noGrp="1"/>
-          </p:cNvSpPr>
-          <p:nvPr>
-            <p:ph type="title"/>
-          </p:nvPr>
-        </p:nvSpPr>
-        <p:spPr/>
-        <p:txBody>
-          <a:bodyPr/>
-          <a:lstStyle/>
-          <a:p>
-            <a:r>
-              <a:rPr lang="ru-RU" dirty="0" smtClean="0"/>
-              <a:t>Выводы</a:t>
-            </a:r>
-            <a:endParaRPr lang="ru-RU" dirty="0"/>
-          </a:p>
-        </p:txBody>
-      </p:sp>
-      <p:sp>
-        <p:nvSpPr>
-          <p:cNvPr id="3" name="Объект 2"/>
-          <p:cNvSpPr>
-            <a:spLocks noGrp="1"/>
-          </p:cNvSpPr>
-          <p:nvPr>
-            <p:ph idx="1"/>
-          </p:nvPr>
-        </p:nvSpPr>
-        <p:spPr/>
-        <p:txBody>
-          <a:bodyPr/>
-          <a:lstStyle/>
-          <a:p>
-            <a:r>
-              <a:rPr lang="ru-RU" dirty="0" smtClean="0"/>
-              <a:t>Проведен анализ предметной области </a:t>
-            </a:r>
-            <a:r>
-              <a:rPr lang="ru-RU" smtClean="0"/>
-              <a:t>и обзор систем </a:t>
-            </a:r>
-            <a:r>
-              <a:rPr lang="ru-RU" dirty="0" smtClean="0"/>
-              <a:t>аналогов</a:t>
-            </a:r>
-          </a:p>
-          <a:p>
-            <a:r>
-              <a:rPr lang="ru-RU" dirty="0" smtClean="0"/>
-              <a:t>Поставлена задача</a:t>
-            </a:r>
-            <a:endParaRPr lang="ru-RU" dirty="0"/>
-          </a:p>
-          <a:p>
-            <a:r>
-              <a:rPr lang="ru-RU" dirty="0"/>
-              <a:t>С</a:t>
-            </a:r>
-            <a:r>
-              <a:rPr lang="ru-RU" dirty="0" smtClean="0"/>
-              <a:t>проектирована </a:t>
-            </a:r>
-            <a:r>
-              <a:rPr lang="ru-RU" dirty="0" smtClean="0"/>
-              <a:t>автоматизированная система моделирования волоконно-оптических датчиков со структурным резервированием</a:t>
-            </a:r>
-            <a:endParaRPr lang="ru-RU" dirty="0"/>
-          </a:p>
-        </p:txBody>
-      </p:sp>
-      <p:sp>
-        <p:nvSpPr>
-          <p:cNvPr id="4" name="Номер слайда 3"/>
-          <p:cNvSpPr>
-            <a:spLocks noGrp="1"/>
-          </p:cNvSpPr>
-          <p:nvPr>
-            <p:ph type="sldNum" sz="quarter" idx="12"/>
-          </p:nvPr>
-        </p:nvSpPr>
-        <p:spPr/>
-        <p:txBody>
-          <a:bodyPr/>
-          <a:lstStyle/>
-          <a:p>
-            <a:fld id="{7C8E2CEC-E439-4EAB-AFDC-D27F98308DA3}" type="slidenum">
-              <a:rPr lang="ru-RU" smtClean="0"/>
-              <a:t>17</a:t>
-            </a:fld>
-            <a:endParaRPr lang="ru-RU"/>
-          </a:p>
-        </p:txBody>
-      </p:sp>
-    </p:spTree>
-    <p:extLst>
-      <p:ext uri="{BB962C8B-B14F-4D97-AF65-F5344CB8AC3E}">
-        <p14:creationId xmlns:p14="http://schemas.microsoft.com/office/powerpoint/2010/main" val="1644954436"/>
-      </p:ext>
-    </p:extLst>
-  </p:cSld>
-  <p:clrMapOvr>
-    <a:masterClrMapping/>
-  </p:clrMapOvr>
-  <p:timing>
-    <p:tnLst>
-      <p:par>
-        <p:cTn id="1" dur="indefinite" restart="never" nodeType="tmRoot"/>
-      </p:par>
-    </p:tnLst>
-  </p:timing>
-</p:sld>
-</file>
-
-<file path=ppt/slides/slide18.xml><?xml version="1.0" encoding="utf-8"?>
-<p:sld xmlns:a="http://schemas.openxmlformats.org/drawingml/2006/main" xmlns:r="http://schemas.openxmlformats.org/officeDocument/2006/relationships" xmlns:p="http://schemas.openxmlformats.org/presentationml/2006/main">
-  <p:cSld>
-    <p:spTree>
-      <p:nvGrpSpPr>
-        <p:cNvPr id="1" name=""/>
-        <p:cNvGrpSpPr/>
-        <p:nvPr/>
-      </p:nvGrpSpPr>
-      <p:grpSpPr>
-        <a:xfrm>
-          <a:off x="0" y="0"/>
-          <a:ext cx="0" cy="0"/>
-          <a:chOff x="0" y="0"/>
-          <a:chExt cx="0" cy="0"/>
-        </a:xfrm>
-      </p:grpSpPr>
-      <p:sp>
-        <p:nvSpPr>
           <p:cNvPr id="2" name="Заголовок 1"/>
           <p:cNvSpPr>
             <a:spLocks noGrp="1"/>
@@ -5132,7 +4765,7 @@
           <a:p>
             <a:fld id="{7C8E2CEC-E439-4EAB-AFDC-D27F98308DA3}" type="slidenum">
               <a:rPr lang="ru-RU" smtClean="0"/>
-              <a:t>18</a:t>
+              <a:t>15</a:t>
             </a:fld>
             <a:endParaRPr lang="ru-RU"/>
           </a:p>
